--- a/design/03.システム構成.pptx
+++ b/design/03.システム構成.pptx
@@ -5204,8 +5204,8 @@
         </p:blipFill>
         <p:spPr>
           <a:xfrm flipH="1">
-            <a:off x="920176" y="2228733"/>
-            <a:ext cx="652273" cy="1463043"/>
+            <a:off x="724021" y="2165420"/>
+            <a:ext cx="592885" cy="1329837"/>
           </a:xfrm>
           <a:prstGeom prst="rect">
             <a:avLst/>
@@ -5245,7 +5245,7 @@
         </p:nvSpPr>
         <p:spPr>
           <a:xfrm>
-            <a:off x="587397" y="1733578"/>
+            <a:off x="457200" y="1702414"/>
             <a:ext cx="1079142" cy="369332"/>
           </a:xfrm>
           <a:prstGeom prst="rect">
@@ -5304,8 +5304,8 @@
         </p:blipFill>
         <p:spPr>
           <a:xfrm>
-            <a:off x="6975095" y="2271439"/>
-            <a:ext cx="1205546" cy="1574591"/>
+            <a:off x="6975095" y="2376254"/>
+            <a:ext cx="1125297" cy="1469776"/>
           </a:xfrm>
           <a:prstGeom prst="rect">
             <a:avLst/>
@@ -5334,100 +5334,14 @@
         </p:blipFill>
         <p:spPr>
           <a:xfrm>
-            <a:off x="8100392" y="1837570"/>
-            <a:ext cx="824487" cy="910197"/>
+            <a:off x="7979605" y="2826322"/>
+            <a:ext cx="550074" cy="607257"/>
           </a:xfrm>
           <a:prstGeom prst="rect">
             <a:avLst/>
           </a:prstGeom>
         </p:spPr>
       </p:pic>
-      <p:pic>
-        <p:nvPicPr>
-          <p:cNvPr id="1026" name="Picture 2" descr="「Arduino micro」の画像検索結果"/>
-          <p:cNvPicPr>
-            <a:picLocks noChangeAspect="1" noChangeArrowheads="1"/>
-          </p:cNvPicPr>
-          <p:nvPr/>
-        </p:nvPicPr>
-        <p:blipFill>
-          <a:blip r:embed="rId5" cstate="print">
-            <a:extLst>
-              <a:ext uri="{28A0092B-C50C-407E-A947-70E740481C1C}">
-                <a14:useLocalDpi xmlns:a14="http://schemas.microsoft.com/office/drawing/2010/main" val="0"/>
-              </a:ext>
-            </a:extLst>
-          </a:blip>
-          <a:srcRect/>
-          <a:stretch>
-            <a:fillRect/>
-          </a:stretch>
-        </p:blipFill>
-        <p:spPr bwMode="auto">
-          <a:xfrm>
-            <a:off x="1170681" y="4349093"/>
-            <a:ext cx="991716" cy="991716"/>
-          </a:xfrm>
-          <a:prstGeom prst="rect">
-            <a:avLst/>
-          </a:prstGeom>
-          <a:noFill/>
-          <a:extLst>
-            <a:ext uri="{909E8E84-426E-40DD-AFC4-6F175D3DCCD1}">
-              <a14:hiddenFill xmlns:a14="http://schemas.microsoft.com/office/drawing/2010/main">
-                <a:solidFill>
-                  <a:srgbClr val="FFFFFF"/>
-                </a:solidFill>
-              </a14:hiddenFill>
-            </a:ext>
-          </a:extLst>
-        </p:spPr>
-      </p:pic>
-      <p:sp>
-        <p:nvSpPr>
-          <p:cNvPr id="12" name="テキスト ボックス 11"/>
-          <p:cNvSpPr txBox="1"/>
-          <p:nvPr/>
-        </p:nvSpPr>
-        <p:spPr>
-          <a:xfrm>
-            <a:off x="997125" y="5161491"/>
-            <a:ext cx="1338828" cy="369332"/>
-          </a:xfrm>
-          <a:prstGeom prst="rect">
-            <a:avLst/>
-          </a:prstGeom>
-        </p:spPr>
-        <p:style>
-          <a:lnRef idx="2">
-            <a:schemeClr val="accent2">
-              <a:shade val="50000"/>
-            </a:schemeClr>
-          </a:lnRef>
-          <a:fillRef idx="1">
-            <a:schemeClr val="accent2"/>
-          </a:fillRef>
-          <a:effectRef idx="0">
-            <a:schemeClr val="accent2"/>
-          </a:effectRef>
-          <a:fontRef idx="minor">
-            <a:schemeClr val="lt1"/>
-          </a:fontRef>
-        </p:style>
-        <p:txBody>
-          <a:bodyPr wrap="none" rtlCol="0">
-            <a:spAutoFit/>
-          </a:bodyPr>
-          <a:lstStyle/>
-          <a:p>
-            <a:r>
-              <a:rPr kumimoji="1" lang="ja-JP" altLang="en-US" dirty="0" smtClean="0"/>
-              <a:t>歩数測定器</a:t>
-            </a:r>
-            <a:endParaRPr kumimoji="1" lang="ja-JP" altLang="en-US" dirty="0" smtClean="0"/>
-          </a:p>
-        </p:txBody>
-      </p:sp>
       <p:cxnSp>
         <p:nvCxnSpPr>
           <p:cNvPr id="14" name="直線矢印コネクタ 13"/>
@@ -5436,8 +5350,8 @@
         </p:nvCxnSpPr>
         <p:spPr>
           <a:xfrm>
-            <a:off x="1511170" y="3780017"/>
-            <a:ext cx="173556" cy="801111"/>
+            <a:off x="1375340" y="3251388"/>
+            <a:ext cx="222608" cy="1182441"/>
           </a:xfrm>
           <a:prstGeom prst="straightConnector1">
             <a:avLst/>
@@ -5469,7 +5383,7 @@
         </p:nvSpPr>
         <p:spPr>
           <a:xfrm>
-            <a:off x="334245" y="3934757"/>
+            <a:off x="100076" y="3571690"/>
             <a:ext cx="1176925" cy="369332"/>
           </a:xfrm>
           <a:prstGeom prst="rect">
@@ -5500,7 +5414,6 @@
               <a:rPr kumimoji="1" lang="ja-JP" altLang="en-US" dirty="0" smtClean="0"/>
               <a:t>持って歩く</a:t>
             </a:r>
-            <a:endParaRPr kumimoji="1" lang="ja-JP" altLang="en-US" dirty="0" smtClean="0"/>
           </a:p>
         </p:txBody>
       </p:sp>
@@ -5513,7 +5426,7 @@
           <p:nvPr/>
         </p:nvPicPr>
         <p:blipFill>
-          <a:blip r:embed="rId6" cstate="print">
+          <a:blip r:embed="rId5" cstate="print">
             <a:extLst>
               <a:ext uri="{28A0092B-C50C-407E-A947-70E740481C1C}">
                 <a14:useLocalDpi xmlns:a14="http://schemas.microsoft.com/office/drawing/2010/main" val="0"/>
@@ -5542,7 +5455,7 @@
         </p:nvSpPr>
         <p:spPr>
           <a:xfrm>
-            <a:off x="7236296" y="1451882"/>
+            <a:off x="7236296" y="1870616"/>
             <a:ext cx="1414170" cy="369332"/>
           </a:xfrm>
           <a:prstGeom prst="rect">
@@ -5591,8 +5504,8 @@
         </p:nvCxnSpPr>
         <p:spPr>
           <a:xfrm flipV="1">
-            <a:off x="2335953" y="4199631"/>
-            <a:ext cx="757927" cy="645322"/>
+            <a:off x="2290722" y="4071771"/>
+            <a:ext cx="830322" cy="564916"/>
           </a:xfrm>
           <a:prstGeom prst="straightConnector1">
             <a:avLst/>
@@ -5624,8 +5537,8 @@
         </p:nvSpPr>
         <p:spPr>
           <a:xfrm>
-            <a:off x="2938292" y="4449224"/>
-            <a:ext cx="1024639" cy="369332"/>
+            <a:off x="2382433" y="4645066"/>
+            <a:ext cx="1285151" cy="307777"/>
           </a:xfrm>
           <a:prstGeom prst="rect">
             <a:avLst/>
@@ -5646,24 +5559,16 @@
           </a:fontRef>
         </p:style>
         <p:txBody>
-          <a:bodyPr wrap="none" rtlCol="0">
+          <a:bodyPr wrap="square" rtlCol="0">
             <a:spAutoFit/>
           </a:bodyPr>
           <a:lstStyle/>
           <a:p>
             <a:r>
-              <a:rPr kumimoji="1" lang="en-US" altLang="ja-JP" dirty="0" smtClean="0"/>
-              <a:t>USB</a:t>
-            </a:r>
-            <a:r>
-              <a:rPr lang="ja-JP" altLang="en-US" dirty="0"/>
-              <a:t>接</a:t>
-            </a:r>
-            <a:r>
-              <a:rPr lang="ja-JP" altLang="en-US" dirty="0" smtClean="0"/>
-              <a:t>続</a:t>
-            </a:r>
-            <a:endParaRPr kumimoji="1" lang="en-US" altLang="ja-JP" dirty="0" smtClean="0"/>
+              <a:rPr kumimoji="1" lang="ja-JP" altLang="en-US" sz="1400" dirty="0" smtClean="0"/>
+              <a:t>歩数記録送信</a:t>
+            </a:r>
+            <a:endParaRPr kumimoji="1" lang="en-US" altLang="ja-JP" sz="1400" dirty="0" smtClean="0"/>
           </a:p>
         </p:txBody>
       </p:sp>
@@ -5675,8 +5580,8 @@
         </p:nvCxnSpPr>
         <p:spPr>
           <a:xfrm flipV="1">
-            <a:off x="4644008" y="3846032"/>
-            <a:ext cx="2592288" cy="159032"/>
+            <a:off x="4716016" y="3846033"/>
+            <a:ext cx="2520280" cy="4501"/>
           </a:xfrm>
           <a:prstGeom prst="straightConnector1">
             <a:avLst/>
@@ -5708,7 +5613,7 @@
         </p:nvSpPr>
         <p:spPr>
           <a:xfrm>
-            <a:off x="4977327" y="4164427"/>
+            <a:off x="5088700" y="3941022"/>
             <a:ext cx="1800200" cy="369332"/>
           </a:xfrm>
           <a:prstGeom prst="rect">
@@ -5739,7 +5644,6 @@
               <a:rPr kumimoji="1" lang="ja-JP" altLang="en-US" dirty="0" smtClean="0"/>
               <a:t>運動データ送信</a:t>
             </a:r>
-            <a:endParaRPr kumimoji="1" lang="ja-JP" altLang="en-US" dirty="0" smtClean="0"/>
           </a:p>
         </p:txBody>
       </p:sp>
@@ -5752,7 +5656,7 @@
         <p:spPr>
           <a:xfrm>
             <a:off x="1597948" y="2685721"/>
-            <a:ext cx="1719044" cy="391634"/>
+            <a:ext cx="1427060" cy="537431"/>
           </a:xfrm>
           <a:prstGeom prst="straightConnector1">
             <a:avLst/>
@@ -5784,7 +5688,7 @@
         </p:nvSpPr>
         <p:spPr>
           <a:xfrm>
-            <a:off x="1813759" y="2342786"/>
+            <a:off x="1828944" y="2322482"/>
             <a:ext cx="1505540" cy="369332"/>
           </a:xfrm>
           <a:prstGeom prst="rect">
@@ -5807,7 +5711,6 @@
               <a:rPr kumimoji="1" lang="ja-JP" altLang="en-US" dirty="0" smtClean="0"/>
               <a:t>サービス利用</a:t>
             </a:r>
-            <a:endParaRPr kumimoji="1" lang="ja-JP" altLang="en-US" dirty="0" smtClean="0"/>
           </a:p>
         </p:txBody>
       </p:sp>
@@ -5819,8 +5722,8 @@
         </p:nvCxnSpPr>
         <p:spPr>
           <a:xfrm flipH="1">
-            <a:off x="4761544" y="3140968"/>
-            <a:ext cx="2115212" cy="0"/>
+            <a:off x="4851310" y="3040076"/>
+            <a:ext cx="2000061" cy="5386"/>
           </a:xfrm>
           <a:prstGeom prst="straightConnector1">
             <a:avLst/>
@@ -5852,7 +5755,7 @@
         </p:nvSpPr>
         <p:spPr>
           <a:xfrm flipH="1">
-            <a:off x="5084104" y="3202358"/>
+            <a:off x="5088700" y="3146528"/>
             <a:ext cx="1534478" cy="369332"/>
           </a:xfrm>
           <a:prstGeom prst="rect">
@@ -5875,7 +5778,6 @@
               <a:rPr kumimoji="1" lang="ja-JP" altLang="en-US" dirty="0" smtClean="0"/>
               <a:t>サービス提供</a:t>
             </a:r>
-            <a:endParaRPr kumimoji="1" lang="ja-JP" altLang="en-US" dirty="0" smtClean="0"/>
           </a:p>
         </p:txBody>
       </p:sp>
@@ -5943,7 +5845,6 @@
               <a:rPr kumimoji="1" lang="ja-JP" altLang="en-US" dirty="0" smtClean="0"/>
               <a:t>サービス要求</a:t>
             </a:r>
-            <a:endParaRPr kumimoji="1" lang="ja-JP" altLang="en-US" dirty="0" smtClean="0"/>
           </a:p>
         </p:txBody>
       </p:sp>
@@ -5989,6 +5890,567 @@
               <a:t>PC</a:t>
             </a:r>
             <a:endParaRPr kumimoji="1" lang="ja-JP" altLang="en-US" dirty="0" smtClean="0"/>
+          </a:p>
+        </p:txBody>
+      </p:sp>
+      <p:grpSp>
+        <p:nvGrpSpPr>
+          <p:cNvPr id="41" name="グループ化 40"/>
+          <p:cNvGrpSpPr/>
+          <p:nvPr/>
+        </p:nvGrpSpPr>
+        <p:grpSpPr>
+          <a:xfrm>
+            <a:off x="252255" y="4551619"/>
+            <a:ext cx="2087497" cy="1632731"/>
+            <a:chOff x="404312" y="4362721"/>
+            <a:chExt cx="2264810" cy="1707667"/>
+          </a:xfrm>
+        </p:grpSpPr>
+        <p:sp>
+          <p:nvSpPr>
+            <p:cNvPr id="36" name="角丸四角形 35"/>
+            <p:cNvSpPr/>
+            <p:nvPr/>
+          </p:nvSpPr>
+          <p:spPr>
+            <a:xfrm>
+              <a:off x="857371" y="4362721"/>
+              <a:ext cx="1707265" cy="1707667"/>
+            </a:xfrm>
+            <a:prstGeom prst="roundRect">
+              <a:avLst/>
+            </a:prstGeom>
+            <a:solidFill>
+              <a:schemeClr val="bg1"/>
+            </a:solidFill>
+            <a:ln w="9525">
+              <a:solidFill>
+                <a:schemeClr val="tx1"/>
+              </a:solidFill>
+            </a:ln>
+          </p:spPr>
+          <p:style>
+            <a:lnRef idx="2">
+              <a:schemeClr val="accent1">
+                <a:shade val="50000"/>
+              </a:schemeClr>
+            </a:lnRef>
+            <a:fillRef idx="1">
+              <a:schemeClr val="accent1"/>
+            </a:fillRef>
+            <a:effectRef idx="0">
+              <a:schemeClr val="accent1"/>
+            </a:effectRef>
+            <a:fontRef idx="minor">
+              <a:schemeClr val="lt1"/>
+            </a:fontRef>
+          </p:style>
+          <p:txBody>
+            <a:bodyPr rtlCol="0" anchor="ctr"/>
+            <a:lstStyle/>
+            <a:p>
+              <a:pPr algn="ctr"/>
+              <a:endParaRPr kumimoji="1" lang="ja-JP" altLang="en-US" sz="1400" dirty="0" smtClean="0">
+                <a:solidFill>
+                  <a:schemeClr val="tx1"/>
+                </a:solidFill>
+              </a:endParaRPr>
+            </a:p>
+          </p:txBody>
+        </p:sp>
+        <p:grpSp>
+          <p:nvGrpSpPr>
+            <p:cNvPr id="40" name="グループ化 39"/>
+            <p:cNvGrpSpPr/>
+            <p:nvPr/>
+          </p:nvGrpSpPr>
+          <p:grpSpPr>
+            <a:xfrm>
+              <a:off x="404312" y="4468219"/>
+              <a:ext cx="1879139" cy="1560728"/>
+              <a:chOff x="404312" y="4468219"/>
+              <a:chExt cx="1879139" cy="1560728"/>
+            </a:xfrm>
+          </p:grpSpPr>
+          <p:pic>
+            <p:nvPicPr>
+              <p:cNvPr id="1026" name="Picture 2" descr="「Arduino micro」の画像検索結果"/>
+              <p:cNvPicPr>
+                <a:picLocks noChangeAspect="1" noChangeArrowheads="1"/>
+              </p:cNvPicPr>
+              <p:nvPr/>
+            </p:nvPicPr>
+            <p:blipFill>
+              <a:blip r:embed="rId6" cstate="print">
+                <a:extLst>
+                  <a:ext uri="{28A0092B-C50C-407E-A947-70E740481C1C}">
+                    <a14:useLocalDpi xmlns:a14="http://schemas.microsoft.com/office/drawing/2010/main" val="0"/>
+                  </a:ext>
+                </a:extLst>
+              </a:blip>
+              <a:srcRect/>
+              <a:stretch>
+                <a:fillRect/>
+              </a:stretch>
+            </p:blipFill>
+            <p:spPr bwMode="auto">
+              <a:xfrm>
+                <a:off x="1134231" y="4468219"/>
+                <a:ext cx="991716" cy="991716"/>
+              </a:xfrm>
+              <a:prstGeom prst="rect">
+                <a:avLst/>
+              </a:prstGeom>
+              <a:noFill/>
+              <a:extLst>
+                <a:ext uri="{909E8E84-426E-40DD-AFC4-6F175D3DCCD1}">
+                  <a14:hiddenFill xmlns:a14="http://schemas.microsoft.com/office/drawing/2010/main">
+                    <a:solidFill>
+                      <a:srgbClr val="FFFFFF"/>
+                    </a:solidFill>
+                  </a14:hiddenFill>
+                </a:ext>
+              </a:extLst>
+            </p:spPr>
+          </p:pic>
+          <p:sp>
+            <p:nvSpPr>
+              <p:cNvPr id="12" name="テキスト ボックス 11"/>
+              <p:cNvSpPr txBox="1"/>
+              <p:nvPr/>
+            </p:nvSpPr>
+            <p:spPr>
+              <a:xfrm>
+                <a:off x="404312" y="4551619"/>
+                <a:ext cx="401768" cy="1477328"/>
+              </a:xfrm>
+              <a:prstGeom prst="rect">
+                <a:avLst/>
+              </a:prstGeom>
+            </p:spPr>
+            <p:style>
+              <a:lnRef idx="2">
+                <a:schemeClr val="accent2">
+                  <a:shade val="50000"/>
+                </a:schemeClr>
+              </a:lnRef>
+              <a:fillRef idx="1">
+                <a:schemeClr val="accent2"/>
+              </a:fillRef>
+              <a:effectRef idx="0">
+                <a:schemeClr val="accent2"/>
+              </a:effectRef>
+              <a:fontRef idx="minor">
+                <a:schemeClr val="lt1"/>
+              </a:fontRef>
+            </p:style>
+            <p:txBody>
+              <a:bodyPr wrap="square" rtlCol="0">
+                <a:spAutoFit/>
+              </a:bodyPr>
+              <a:lstStyle/>
+              <a:p>
+                <a:r>
+                  <a:rPr kumimoji="1" lang="ja-JP" altLang="en-US" dirty="0" smtClean="0"/>
+                  <a:t>歩数測定器</a:t>
+                </a:r>
+              </a:p>
+            </p:txBody>
+          </p:sp>
+          <p:pic>
+            <p:nvPicPr>
+              <p:cNvPr id="26" name="Picture 2" descr="「ADXL362」の画像検索結果"/>
+              <p:cNvPicPr>
+                <a:picLocks noChangeAspect="1" noChangeArrowheads="1"/>
+              </p:cNvPicPr>
+              <p:nvPr/>
+            </p:nvPicPr>
+            <p:blipFill>
+              <a:blip r:embed="rId7" cstate="print">
+                <a:extLst>
+                  <a:ext uri="{28A0092B-C50C-407E-A947-70E740481C1C}">
+                    <a14:useLocalDpi xmlns:a14="http://schemas.microsoft.com/office/drawing/2010/main" val="0"/>
+                  </a:ext>
+                </a:extLst>
+              </a:blip>
+              <a:srcRect/>
+              <a:stretch>
+                <a:fillRect/>
+              </a:stretch>
+            </p:blipFill>
+            <p:spPr bwMode="auto">
+              <a:xfrm>
+                <a:off x="1244462" y="5535334"/>
+                <a:ext cx="381498" cy="360834"/>
+              </a:xfrm>
+              <a:prstGeom prst="rect">
+                <a:avLst/>
+              </a:prstGeom>
+              <a:noFill/>
+              <a:extLst>
+                <a:ext uri="{909E8E84-426E-40DD-AFC4-6F175D3DCCD1}">
+                  <a14:hiddenFill xmlns:a14="http://schemas.microsoft.com/office/drawing/2010/main">
+                    <a:solidFill>
+                      <a:srgbClr val="FFFFFF"/>
+                    </a:solidFill>
+                  </a14:hiddenFill>
+                </a:ext>
+              </a:extLst>
+            </p:spPr>
+          </p:pic>
+          <p:cxnSp>
+            <p:nvCxnSpPr>
+              <p:cNvPr id="30" name="直線矢印コネクタ 29"/>
+              <p:cNvCxnSpPr/>
+              <p:nvPr/>
+            </p:nvCxnSpPr>
+            <p:spPr>
+              <a:xfrm>
+                <a:off x="1452404" y="5157905"/>
+                <a:ext cx="0" cy="331562"/>
+              </a:xfrm>
+              <a:prstGeom prst="straightConnector1">
+                <a:avLst/>
+              </a:prstGeom>
+              <a:ln>
+                <a:headEnd type="triangle"/>
+                <a:tailEnd type="triangle"/>
+              </a:ln>
+            </p:spPr>
+            <p:style>
+              <a:lnRef idx="1">
+                <a:schemeClr val="accent1"/>
+              </a:lnRef>
+              <a:fillRef idx="0">
+                <a:schemeClr val="accent1"/>
+              </a:fillRef>
+              <a:effectRef idx="0">
+                <a:schemeClr val="accent1"/>
+              </a:effectRef>
+              <a:fontRef idx="minor">
+                <a:schemeClr val="tx1"/>
+              </a:fontRef>
+            </p:style>
+          </p:cxnSp>
+          <p:sp>
+            <p:nvSpPr>
+              <p:cNvPr id="31" name="テキスト ボックス 30"/>
+              <p:cNvSpPr txBox="1"/>
+              <p:nvPr/>
+            </p:nvSpPr>
+            <p:spPr>
+              <a:xfrm>
+                <a:off x="1477329" y="5202561"/>
+                <a:ext cx="806122" cy="261610"/>
+              </a:xfrm>
+              <a:prstGeom prst="rect">
+                <a:avLst/>
+              </a:prstGeom>
+              <a:solidFill>
+                <a:schemeClr val="bg1"/>
+              </a:solidFill>
+            </p:spPr>
+            <p:txBody>
+              <a:bodyPr wrap="square" rtlCol="0">
+                <a:spAutoFit/>
+              </a:bodyPr>
+              <a:lstStyle/>
+              <a:p>
+                <a:r>
+                  <a:rPr kumimoji="1" lang="en-US" altLang="ja-JP" sz="1100" dirty="0" smtClean="0"/>
+                  <a:t>SPI</a:t>
+                </a:r>
+                <a:r>
+                  <a:rPr kumimoji="1" lang="ja-JP" altLang="en-US" sz="1100" dirty="0" smtClean="0"/>
+                  <a:t>通信</a:t>
+                </a:r>
+                <a:endParaRPr kumimoji="1" lang="ja-JP" altLang="en-US" sz="1100" dirty="0" smtClean="0"/>
+              </a:p>
+            </p:txBody>
+          </p:sp>
+          <p:sp>
+            <p:nvSpPr>
+              <p:cNvPr id="34" name="テキスト ボックス 33"/>
+              <p:cNvSpPr txBox="1"/>
+              <p:nvPr/>
+            </p:nvSpPr>
+            <p:spPr>
+              <a:xfrm>
+                <a:off x="1065606" y="4490837"/>
+                <a:ext cx="1114372" cy="261610"/>
+              </a:xfrm>
+              <a:prstGeom prst="rect">
+                <a:avLst/>
+              </a:prstGeom>
+              <a:solidFill>
+                <a:schemeClr val="bg1"/>
+              </a:solidFill>
+            </p:spPr>
+            <p:txBody>
+              <a:bodyPr wrap="square" rtlCol="0">
+                <a:spAutoFit/>
+              </a:bodyPr>
+              <a:lstStyle/>
+              <a:p>
+                <a:r>
+                  <a:rPr lang="en-US" altLang="ja-JP" sz="1100" dirty="0" smtClean="0"/>
+                  <a:t>Arduino micro</a:t>
+                </a:r>
+                <a:endParaRPr kumimoji="1" lang="ja-JP" altLang="en-US" sz="1100" dirty="0" smtClean="0"/>
+              </a:p>
+            </p:txBody>
+          </p:sp>
+        </p:grpSp>
+        <p:sp>
+          <p:nvSpPr>
+            <p:cNvPr id="35" name="テキスト ボックス 34"/>
+            <p:cNvSpPr txBox="1"/>
+            <p:nvPr/>
+          </p:nvSpPr>
+          <p:spPr>
+            <a:xfrm>
+              <a:off x="1595490" y="5592651"/>
+              <a:ext cx="1073632" cy="265570"/>
+            </a:xfrm>
+            <a:prstGeom prst="rect">
+              <a:avLst/>
+            </a:prstGeom>
+            <a:noFill/>
+          </p:spPr>
+          <p:txBody>
+            <a:bodyPr wrap="square" rtlCol="0">
+              <a:spAutoFit/>
+            </a:bodyPr>
+            <a:lstStyle/>
+            <a:p>
+              <a:r>
+                <a:rPr lang="ja-JP" altLang="en-US" sz="1050" dirty="0"/>
+                <a:t>加速度センサ</a:t>
+              </a:r>
+              <a:endParaRPr kumimoji="1" lang="ja-JP" altLang="en-US" sz="1050" dirty="0" smtClean="0"/>
+            </a:p>
+          </p:txBody>
+        </p:sp>
+      </p:grpSp>
+      <p:sp>
+        <p:nvSpPr>
+          <p:cNvPr id="45" name="テキスト ボックス 44"/>
+          <p:cNvSpPr txBox="1"/>
+          <p:nvPr/>
+        </p:nvSpPr>
+        <p:spPr>
+          <a:xfrm>
+            <a:off x="2310146" y="4908766"/>
+            <a:ext cx="1290738" cy="461665"/>
+          </a:xfrm>
+          <a:prstGeom prst="rect">
+            <a:avLst/>
+          </a:prstGeom>
+          <a:noFill/>
+        </p:spPr>
+        <p:txBody>
+          <a:bodyPr wrap="none" rtlCol="0">
+            <a:spAutoFit/>
+          </a:bodyPr>
+          <a:lstStyle/>
+          <a:p>
+            <a:r>
+              <a:rPr kumimoji="1" lang="en-US" altLang="ja-JP" sz="1200" dirty="0" smtClean="0"/>
+              <a:t>USB</a:t>
+            </a:r>
+            <a:r>
+              <a:rPr kumimoji="1" lang="ja-JP" altLang="en-US" sz="1200" dirty="0" smtClean="0"/>
+              <a:t>シリアル通信</a:t>
+            </a:r>
+            <a:endParaRPr kumimoji="1" lang="en-US" altLang="ja-JP" sz="1200" dirty="0" smtClean="0"/>
+          </a:p>
+          <a:p>
+            <a:r>
+              <a:rPr lang="ja-JP" altLang="en-US" sz="1200" dirty="0" smtClean="0"/>
+              <a:t>ポ</a:t>
+            </a:r>
+            <a:r>
+              <a:rPr lang="ja-JP" altLang="en-US" sz="1200" dirty="0"/>
+              <a:t>ー</a:t>
+            </a:r>
+            <a:r>
+              <a:rPr lang="ja-JP" altLang="en-US" sz="1200" dirty="0" smtClean="0"/>
+              <a:t>ト</a:t>
+            </a:r>
+            <a:r>
+              <a:rPr lang="en-US" altLang="ja-JP" sz="1200" dirty="0" smtClean="0"/>
+              <a:t>:COM2</a:t>
+            </a:r>
+            <a:endParaRPr kumimoji="1" lang="ja-JP" altLang="en-US" sz="1200" dirty="0" smtClean="0"/>
+          </a:p>
+        </p:txBody>
+      </p:sp>
+      <p:sp>
+        <p:nvSpPr>
+          <p:cNvPr id="46" name="テキスト ボックス 45"/>
+          <p:cNvSpPr txBox="1"/>
+          <p:nvPr/>
+        </p:nvSpPr>
+        <p:spPr>
+          <a:xfrm>
+            <a:off x="7525127" y="3883647"/>
+            <a:ext cx="1437060" cy="646331"/>
+          </a:xfrm>
+          <a:prstGeom prst="rect">
+            <a:avLst/>
+          </a:prstGeom>
+        </p:spPr>
+        <p:style>
+          <a:lnRef idx="1">
+            <a:schemeClr val="accent5"/>
+          </a:lnRef>
+          <a:fillRef idx="2">
+            <a:schemeClr val="accent5"/>
+          </a:fillRef>
+          <a:effectRef idx="1">
+            <a:schemeClr val="accent5"/>
+          </a:effectRef>
+          <a:fontRef idx="minor">
+            <a:schemeClr val="dk1"/>
+          </a:fontRef>
+        </p:style>
+        <p:txBody>
+          <a:bodyPr wrap="none" rtlCol="0">
+            <a:spAutoFit/>
+          </a:bodyPr>
+          <a:lstStyle/>
+          <a:p>
+            <a:r>
+              <a:rPr kumimoji="1" lang="en-US" altLang="ja-JP" dirty="0" smtClean="0"/>
+              <a:t>Ruby on Rails</a:t>
+            </a:r>
+          </a:p>
+          <a:p>
+            <a:r>
+              <a:rPr lang="en-US" altLang="ja-JP" dirty="0" smtClean="0"/>
+              <a:t>SQLite</a:t>
+            </a:r>
+            <a:endParaRPr kumimoji="1" lang="ja-JP" altLang="en-US" dirty="0" smtClean="0"/>
+          </a:p>
+        </p:txBody>
+      </p:sp>
+      <p:sp>
+        <p:nvSpPr>
+          <p:cNvPr id="51" name="テキスト ボックス 50"/>
+          <p:cNvSpPr txBox="1"/>
+          <p:nvPr/>
+        </p:nvSpPr>
+        <p:spPr>
+          <a:xfrm>
+            <a:off x="5200206" y="4319001"/>
+            <a:ext cx="1551900" cy="276999"/>
+          </a:xfrm>
+          <a:prstGeom prst="rect">
+            <a:avLst/>
+          </a:prstGeom>
+          <a:noFill/>
+        </p:spPr>
+        <p:txBody>
+          <a:bodyPr wrap="none" rtlCol="0">
+            <a:spAutoFit/>
+          </a:bodyPr>
+          <a:lstStyle/>
+          <a:p>
+            <a:r>
+              <a:rPr kumimoji="1" lang="en-US" altLang="ja-JP" sz="1200" dirty="0" smtClean="0"/>
+              <a:t>HTTP</a:t>
+            </a:r>
+            <a:r>
+              <a:rPr kumimoji="1" lang="ja-JP" altLang="en-US" sz="1200" dirty="0" smtClean="0"/>
+              <a:t>　</a:t>
+            </a:r>
+            <a:r>
+              <a:rPr kumimoji="1" lang="en-US" altLang="ja-JP" sz="1200" dirty="0" smtClean="0"/>
+              <a:t>POST</a:t>
+            </a:r>
+            <a:r>
+              <a:rPr kumimoji="1" lang="ja-JP" altLang="en-US" sz="1200" dirty="0" smtClean="0"/>
+              <a:t>　</a:t>
+            </a:r>
+            <a:r>
+              <a:rPr kumimoji="1" lang="en-US" altLang="ja-JP" sz="1200" dirty="0" smtClean="0"/>
+              <a:t>Request</a:t>
+            </a:r>
+            <a:endParaRPr kumimoji="1" lang="ja-JP" altLang="en-US" sz="1200" dirty="0" smtClean="0"/>
+          </a:p>
+        </p:txBody>
+      </p:sp>
+      <p:sp>
+        <p:nvSpPr>
+          <p:cNvPr id="56" name="テキスト ボックス 55"/>
+          <p:cNvSpPr txBox="1"/>
+          <p:nvPr/>
+        </p:nvSpPr>
+        <p:spPr>
+          <a:xfrm>
+            <a:off x="3718829" y="4172479"/>
+            <a:ext cx="1217525" cy="954107"/>
+          </a:xfrm>
+          <a:prstGeom prst="rect">
+            <a:avLst/>
+          </a:prstGeom>
+        </p:spPr>
+        <p:style>
+          <a:lnRef idx="1">
+            <a:schemeClr val="accent5"/>
+          </a:lnRef>
+          <a:fillRef idx="2">
+            <a:schemeClr val="accent5"/>
+          </a:fillRef>
+          <a:effectRef idx="1">
+            <a:schemeClr val="accent5"/>
+          </a:effectRef>
+          <a:fontRef idx="minor">
+            <a:schemeClr val="dk1"/>
+          </a:fontRef>
+        </p:style>
+        <p:txBody>
+          <a:bodyPr wrap="square" rtlCol="0">
+            <a:spAutoFit/>
+          </a:bodyPr>
+          <a:lstStyle/>
+          <a:p>
+            <a:r>
+              <a:rPr lang="en-US" altLang="ja-JP" sz="1400" dirty="0" smtClean="0"/>
+              <a:t>FireFox</a:t>
+            </a:r>
+            <a:endParaRPr kumimoji="1" lang="en-US" altLang="ja-JP" sz="1400" dirty="0" smtClean="0"/>
+          </a:p>
+          <a:p>
+            <a:r>
+              <a:rPr kumimoji="1" lang="en-US" altLang="ja-JP" sz="1400" dirty="0" smtClean="0"/>
+              <a:t>C#</a:t>
+            </a:r>
+            <a:r>
+              <a:rPr kumimoji="1" lang="ja-JP" altLang="en-US" sz="1400" dirty="0" smtClean="0"/>
+              <a:t>常駐ソフト</a:t>
+            </a:r>
+            <a:endParaRPr kumimoji="1" lang="en-US" altLang="ja-JP" sz="1400" dirty="0" smtClean="0"/>
+          </a:p>
+          <a:p>
+            <a:r>
+              <a:rPr lang="en-US" altLang="ja-JP" sz="1400" dirty="0"/>
+              <a:t> </a:t>
+            </a:r>
+            <a:r>
+              <a:rPr lang="ja-JP" altLang="en-US" sz="1400" dirty="0" smtClean="0"/>
+              <a:t> </a:t>
+            </a:r>
+            <a:r>
+              <a:rPr lang="en-US" altLang="ja-JP" sz="1400" dirty="0" smtClean="0"/>
+              <a:t>:</a:t>
+            </a:r>
+            <a:r>
+              <a:rPr lang="ja-JP" altLang="en-US" sz="1400" dirty="0" smtClean="0"/>
+              <a:t>歩数計測器との接続管理</a:t>
+            </a:r>
+            <a:endParaRPr kumimoji="1" lang="en-US" altLang="ja-JP" sz="1400" dirty="0" smtClean="0"/>
           </a:p>
         </p:txBody>
       </p:sp>
@@ -6050,11 +6512,7 @@
             </a:r>
             <a:r>
               <a:rPr kumimoji="1" lang="ja-JP" altLang="en-US" dirty="0" smtClean="0"/>
-              <a:t>構</a:t>
-            </a:r>
-            <a:r>
-              <a:rPr kumimoji="1" lang="ja-JP" altLang="en-US" dirty="0" smtClean="0"/>
-              <a:t>成</a:t>
+              <a:t>構成</a:t>
             </a:r>
             <a:endParaRPr kumimoji="1" lang="ja-JP" altLang="en-US" dirty="0"/>
           </a:p>

--- a/design/03.システム構成.pptx
+++ b/design/03.システム構成.pptx
@@ -6165,7 +6165,6 @@
                   <a:rPr kumimoji="1" lang="ja-JP" altLang="en-US" sz="1100" dirty="0" smtClean="0"/>
                   <a:t>通信</a:t>
                 </a:r>
-                <a:endParaRPr kumimoji="1" lang="ja-JP" altLang="en-US" sz="1100" dirty="0" smtClean="0"/>
               </a:p>
             </p:txBody>
           </p:sp>
@@ -6520,7 +6519,7 @@
       </p:sp>
       <p:pic>
         <p:nvPicPr>
-          <p:cNvPr id="7" name="コンテンツ プレースホルダー 6"/>
+          <p:cNvPr id="4" name="コンテンツ プレースホルダー 3"/>
           <p:cNvPicPr>
             <a:picLocks noGrp="1" noChangeAspect="1"/>
           </p:cNvPicPr>
@@ -6542,8 +6541,8 @@
         </p:blipFill>
         <p:spPr>
           <a:xfrm>
-            <a:off x="457200" y="1484783"/>
-            <a:ext cx="8229600" cy="4737395"/>
+            <a:off x="457200" y="1499421"/>
+            <a:ext cx="8229600" cy="4722757"/>
           </a:xfrm>
         </p:spPr>
       </p:pic>

--- a/design/03.システム構成.pptx
+++ b/design/03.システム構成.pptx
@@ -6519,7 +6519,7 @@
       </p:sp>
       <p:pic>
         <p:nvPicPr>
-          <p:cNvPr id="4" name="コンテンツ プレースホルダー 3"/>
+          <p:cNvPr id="5" name="コンテンツ プレースホルダー 4"/>
           <p:cNvPicPr>
             <a:picLocks noGrp="1" noChangeAspect="1"/>
           </p:cNvPicPr>
